--- a/보고서/성과발표회_판넬_BARAM_PRO.pptx
+++ b/보고서/성과발표회_판넬_BARAM_PRO.pptx
@@ -4092,222 +4092,6 @@
               <a:t>]</a:t>
             </a:r>
             <a:endParaRPr kumimoji="1" lang="ko-KR" altLang="en-US" sz="6500" dirty="0"/>
-          </a:p>
-        </p:txBody>
-      </p:sp>
-      <p:sp>
-        <p:nvSpPr>
-          <p:cNvPr id="37" name="TextBox 36">
-            <a:extLst>
-              <a:ext uri="{FF2B5EF4-FFF2-40B4-BE49-F238E27FC236}">
-                <a16:creationId xmlns:a16="http://schemas.microsoft.com/office/drawing/2014/main" id="{23A44416-1D57-7D49-BE17-00F306EC3ABD}"/>
-              </a:ext>
-            </a:extLst>
-          </p:cNvPr>
-          <p:cNvSpPr txBox="1"/>
-          <p:nvPr/>
-        </p:nvSpPr>
-        <p:spPr>
-          <a:xfrm>
-            <a:off x="-35742" y="10240112"/>
-            <a:ext cx="2736080" cy="2923877"/>
-          </a:xfrm>
-          <a:prstGeom prst="rect">
-            <a:avLst/>
-          </a:prstGeom>
-          <a:noFill/>
-        </p:spPr>
-        <p:txBody>
-          <a:bodyPr wrap="square" rtlCol="0">
-            <a:spAutoFit/>
-          </a:bodyPr>
-          <a:lstStyle/>
-          <a:p>
-            <a:r>
-              <a:rPr kumimoji="1" lang="en-US" altLang="ko-KR" dirty="0"/>
-              <a:t>-33.6</a:t>
-            </a:r>
-            <a:endParaRPr kumimoji="1" lang="ko-KR" altLang="en-US" dirty="0"/>
-          </a:p>
-        </p:txBody>
-      </p:sp>
-      <p:sp>
-        <p:nvSpPr>
-          <p:cNvPr id="38" name="TextBox 37">
-            <a:extLst>
-              <a:ext uri="{FF2B5EF4-FFF2-40B4-BE49-F238E27FC236}">
-                <a16:creationId xmlns:a16="http://schemas.microsoft.com/office/drawing/2014/main" id="{7C4ADEC6-49C2-3C43-8DC7-44ED1266EE5E}"/>
-              </a:ext>
-            </a:extLst>
-          </p:cNvPr>
-          <p:cNvSpPr txBox="1"/>
-          <p:nvPr/>
-        </p:nvSpPr>
-        <p:spPr>
-          <a:xfrm>
-            <a:off x="108274" y="32931960"/>
-            <a:ext cx="5904656" cy="1508105"/>
-          </a:xfrm>
-          <a:prstGeom prst="rect">
-            <a:avLst/>
-          </a:prstGeom>
-          <a:noFill/>
-        </p:spPr>
-        <p:txBody>
-          <a:bodyPr wrap="square" rtlCol="0">
-            <a:spAutoFit/>
-          </a:bodyPr>
-          <a:lstStyle/>
-          <a:p>
-            <a:r>
-              <a:rPr kumimoji="1" lang="en-US" altLang="ko-KR" dirty="0"/>
-              <a:t>28.8</a:t>
-            </a:r>
-            <a:endParaRPr kumimoji="1" lang="ko-KR" altLang="en-US" dirty="0"/>
-          </a:p>
-        </p:txBody>
-      </p:sp>
-      <p:sp>
-        <p:nvSpPr>
-          <p:cNvPr id="39" name="TextBox 38">
-            <a:extLst>
-              <a:ext uri="{FF2B5EF4-FFF2-40B4-BE49-F238E27FC236}">
-                <a16:creationId xmlns:a16="http://schemas.microsoft.com/office/drawing/2014/main" id="{9A9F3BB7-632A-5245-B1DB-8784C4289441}"/>
-              </a:ext>
-            </a:extLst>
-          </p:cNvPr>
-          <p:cNvSpPr txBox="1"/>
-          <p:nvPr/>
-        </p:nvSpPr>
-        <p:spPr>
-          <a:xfrm>
-            <a:off x="-35742" y="41981286"/>
-            <a:ext cx="5904656" cy="1508105"/>
-          </a:xfrm>
-          <a:prstGeom prst="rect">
-            <a:avLst/>
-          </a:prstGeom>
-          <a:noFill/>
-        </p:spPr>
-        <p:txBody>
-          <a:bodyPr wrap="square" rtlCol="0">
-            <a:spAutoFit/>
-          </a:bodyPr>
-          <a:lstStyle/>
-          <a:p>
-            <a:r>
-              <a:rPr kumimoji="1" lang="en-US" altLang="ko-KR" dirty="0"/>
-              <a:t>60</a:t>
-            </a:r>
-            <a:endParaRPr kumimoji="1" lang="ko-KR" altLang="en-US" dirty="0"/>
-          </a:p>
-        </p:txBody>
-      </p:sp>
-      <p:sp>
-        <p:nvSpPr>
-          <p:cNvPr id="40" name="TextBox 39">
-            <a:extLst>
-              <a:ext uri="{FF2B5EF4-FFF2-40B4-BE49-F238E27FC236}">
-                <a16:creationId xmlns:a16="http://schemas.microsoft.com/office/drawing/2014/main" id="{2F9C6701-6B8E-2448-81BE-5F1C0FA82FE0}"/>
-              </a:ext>
-            </a:extLst>
-          </p:cNvPr>
-          <p:cNvSpPr txBox="1"/>
-          <p:nvPr/>
-        </p:nvSpPr>
-        <p:spPr>
-          <a:xfrm>
-            <a:off x="106916" y="20660925"/>
-            <a:ext cx="2736080" cy="1508105"/>
-          </a:xfrm>
-          <a:prstGeom prst="rect">
-            <a:avLst/>
-          </a:prstGeom>
-          <a:noFill/>
-        </p:spPr>
-        <p:txBody>
-          <a:bodyPr wrap="square" rtlCol="0">
-            <a:spAutoFit/>
-          </a:bodyPr>
-          <a:lstStyle/>
-          <a:p>
-            <a:r>
-              <a:rPr kumimoji="1" lang="en-US" altLang="ko-KR" dirty="0"/>
-              <a:t>-2.4</a:t>
-            </a:r>
-            <a:endParaRPr kumimoji="1" lang="ko-KR" altLang="en-US" dirty="0"/>
-          </a:p>
-        </p:txBody>
-      </p:sp>
-      <p:sp>
-        <p:nvSpPr>
-          <p:cNvPr id="41" name="TextBox 40">
-            <a:extLst>
-              <a:ext uri="{FF2B5EF4-FFF2-40B4-BE49-F238E27FC236}">
-                <a16:creationId xmlns:a16="http://schemas.microsoft.com/office/drawing/2014/main" id="{FA4C6966-5E5A-0E46-9F82-3A2956362093}"/>
-              </a:ext>
-            </a:extLst>
-          </p:cNvPr>
-          <p:cNvSpPr txBox="1"/>
-          <p:nvPr/>
-        </p:nvSpPr>
-        <p:spPr>
-          <a:xfrm>
-            <a:off x="12133834" y="31108078"/>
-            <a:ext cx="2736080" cy="1508105"/>
-          </a:xfrm>
-          <a:prstGeom prst="rect">
-            <a:avLst/>
-          </a:prstGeom>
-          <a:noFill/>
-        </p:spPr>
-        <p:txBody>
-          <a:bodyPr wrap="square" rtlCol="0">
-            <a:spAutoFit/>
-          </a:bodyPr>
-          <a:lstStyle/>
-          <a:p>
-            <a:r>
-              <a:rPr kumimoji="1" lang="en-US" altLang="ko-KR" dirty="0"/>
-              <a:t>-15</a:t>
-            </a:r>
-            <a:endParaRPr kumimoji="1" lang="ko-KR" altLang="en-US" dirty="0"/>
-          </a:p>
-        </p:txBody>
-      </p:sp>
-      <p:sp>
-        <p:nvSpPr>
-          <p:cNvPr id="42" name="TextBox 41">
-            <a:extLst>
-              <a:ext uri="{FF2B5EF4-FFF2-40B4-BE49-F238E27FC236}">
-                <a16:creationId xmlns:a16="http://schemas.microsoft.com/office/drawing/2014/main" id="{315CA573-62C3-594B-B11F-0B607C867E7E}"/>
-              </a:ext>
-            </a:extLst>
-          </p:cNvPr>
-          <p:cNvSpPr txBox="1"/>
-          <p:nvPr/>
-        </p:nvSpPr>
-        <p:spPr>
-          <a:xfrm>
-            <a:off x="23223066" y="31180086"/>
-            <a:ext cx="2736080" cy="1508105"/>
-          </a:xfrm>
-          <a:prstGeom prst="rect">
-            <a:avLst/>
-          </a:prstGeom>
-          <a:noFill/>
-        </p:spPr>
-        <p:txBody>
-          <a:bodyPr wrap="square" rtlCol="0">
-            <a:spAutoFit/>
-          </a:bodyPr>
-          <a:lstStyle/>
-          <a:p>
-            <a:r>
-              <a:rPr kumimoji="1" lang="en-US" altLang="ko-KR" dirty="0"/>
-              <a:t>15</a:t>
-            </a:r>
-            <a:endParaRPr kumimoji="1" lang="ko-KR" altLang="en-US" dirty="0"/>
           </a:p>
         </p:txBody>
       </p:sp>
